--- a/branch.pptx
+++ b/branch.pptx
@@ -202,6 +202,7 @@
           <a:p>
             <a:fld id="{05BA0B6D-8950-49DF-8ECD-9CED5B9E0CEE}" type="datetimeFigureOut">
               <a:rPr lang="zh-CN" altLang="en-US" smtClean="0"/>
+              <a:pPr/>
               <a:t>2018-05-18</a:t>
             </a:fld>
             <a:endParaRPr lang="zh-CN" altLang="en-US"/>
@@ -363,6 +364,7 @@
           <a:p>
             <a:fld id="{ADD9EEF9-F82C-49D9-910D-97C2377FCE15}" type="slidenum">
               <a:rPr lang="zh-CN" altLang="en-US" smtClean="0"/>
+              <a:pPr/>
               <a:t>‹#›</a:t>
             </a:fld>
             <a:endParaRPr lang="zh-CN" altLang="en-US"/>
@@ -4991,15 +4993,7 @@
           <a:p>
             <a:r>
               <a:rPr lang="zh-CN" altLang="en-US" b="1" dirty="0" smtClean="0"/>
-              <a:t>版本</a:t>
-            </a:r>
-            <a:r>
-              <a:rPr lang="zh-CN" altLang="en-US" b="1" dirty="0" smtClean="0"/>
-              <a:t>管理</a:t>
-            </a:r>
-            <a:r>
-              <a:rPr lang="zh-CN" altLang="en-US" b="1" dirty="0" smtClean="0"/>
-              <a:t>工具 </a:t>
+              <a:t>版本管理工具 </a:t>
             </a:r>
             <a:r>
               <a:rPr lang="en-US" altLang="zh-CN" b="1" dirty="0" smtClean="0"/>
@@ -5153,7 +5147,18 @@
           <a:bodyPr/>
           <a:lstStyle/>
           <a:p>
-            <a:endParaRPr lang="zh-CN" altLang="en-US"/>
+            <a:pPr>
+              <a:buNone/>
+            </a:pPr>
+            <a:r>
+              <a:rPr lang="zh-CN" altLang="en-US" dirty="0" smtClean="0"/>
+              <a:t>我就</a:t>
+            </a:r>
+            <a:r>
+              <a:rPr lang="zh-CN" altLang="en-US" dirty="0" smtClean="0"/>
+              <a:t>试试网页上传</a:t>
+            </a:r>
+            <a:endParaRPr lang="zh-CN" altLang="en-US" dirty="0"/>
           </a:p>
         </p:txBody>
       </p:sp>
@@ -5237,19 +5242,11 @@
           <a:p>
             <a:r>
               <a:rPr lang="en-US" altLang="zh-CN" dirty="0" smtClean="0"/>
-              <a:t>CVS </a:t>
-            </a:r>
-            <a:r>
-              <a:rPr lang="en-US" altLang="zh-CN" dirty="0" smtClean="0"/>
-              <a:t>- </a:t>
+              <a:t>CVS - </a:t>
             </a:r>
             <a:r>
               <a:rPr lang="en-US" dirty="0" smtClean="0"/>
-              <a:t>Concurrent Version </a:t>
-            </a:r>
-            <a:r>
-              <a:rPr lang="en-US" dirty="0" smtClean="0"/>
-              <a:t>System</a:t>
+              <a:t>Concurrent Version System</a:t>
             </a:r>
           </a:p>
           <a:p>
@@ -5343,11 +5340,7 @@
           <a:p>
             <a:r>
               <a:rPr lang="zh-CN" altLang="en-US" dirty="0" smtClean="0"/>
-              <a:t>集中式</a:t>
-            </a:r>
-            <a:r>
-              <a:rPr lang="zh-CN" altLang="en-US" dirty="0" smtClean="0"/>
-              <a:t>版本控制 </a:t>
+              <a:t>集中式版本控制 </a:t>
             </a:r>
             <a:r>
               <a:rPr lang="en-US" altLang="zh-CN" dirty="0" smtClean="0"/>
@@ -5365,11 +5358,7 @@
           <a:p>
             <a:r>
               <a:rPr lang="zh-CN" altLang="en-US" dirty="0" smtClean="0"/>
-              <a:t>分布式</a:t>
-            </a:r>
-            <a:r>
-              <a:rPr lang="zh-CN" altLang="en-US" dirty="0" smtClean="0"/>
-              <a:t>版本控制 </a:t>
+              <a:t>分布式版本控制 </a:t>
             </a:r>
             <a:r>
               <a:rPr lang="en-US" altLang="zh-CN" dirty="0" smtClean="0"/>
@@ -5679,11 +5668,7 @@
             </a:r>
             <a:r>
               <a:rPr lang="zh-CN" altLang="en-US" dirty="0" smtClean="0"/>
-              <a:t>代码后会在自己的机器上克隆一个自己的版本库。可以这样说，如果你被困在一个不能连接网络的地方时，就像在飞机上，地下室，电梯里等，你仍然能够提交文件，查看历史版本记录，创建项目分支等</a:t>
-            </a:r>
-            <a:r>
-              <a:rPr lang="zh-CN" altLang="en-US" dirty="0" smtClean="0"/>
-              <a:t>。</a:t>
+              <a:t>代码后会在自己的机器上克隆一个自己的版本库。可以这样说，如果你被困在一个不能连接网络的地方时，就像在飞机上，地下室，电梯里等，你仍然能够提交文件，查看历史版本记录，创建项目分支等。</a:t>
             </a:r>
             <a:endParaRPr lang="zh-CN" altLang="en-US" dirty="0"/>
           </a:p>
@@ -5824,11 +5809,7 @@
             </a:r>
             <a:r>
               <a:rPr lang="zh-CN" altLang="en-US" dirty="0" smtClean="0"/>
-              <a:t>两个</a:t>
-            </a:r>
-            <a:r>
-              <a:rPr lang="zh-CN" altLang="en-US" dirty="0" smtClean="0"/>
-              <a:t>目录</a:t>
+              <a:t>两个目录</a:t>
             </a:r>
             <a:endParaRPr lang="en-US" altLang="zh-CN" dirty="0" smtClean="0"/>
           </a:p>
@@ -5879,11 +5860,7 @@
             <a:pPr lvl="1"/>
             <a:r>
               <a:rPr lang="zh-CN" altLang="en-US" dirty="0" smtClean="0"/>
-              <a:t>我</a:t>
-            </a:r>
-            <a:r>
-              <a:rPr lang="zh-CN" altLang="en-US" dirty="0" smtClean="0"/>
-              <a:t>在使用过程中，发现</a:t>
+              <a:t>我在使用过程中，发现</a:t>
             </a:r>
             <a:r>
               <a:rPr lang="en-US" altLang="zh-CN" dirty="0" smtClean="0"/>
@@ -6018,11 +5995,7 @@
             </a:r>
             <a:r>
               <a:rPr lang="zh-CN" altLang="en-US" dirty="0" smtClean="0"/>
-              <a:t>是按</a:t>
-            </a:r>
-            <a:r>
-              <a:rPr lang="zh-CN" altLang="en-US" dirty="0" smtClean="0"/>
-              <a:t>文件</a:t>
+              <a:t>是按文件</a:t>
             </a:r>
             <a:endParaRPr lang="en-US" altLang="zh-CN" dirty="0" smtClean="0"/>
           </a:p>
@@ -6098,11 +6071,7 @@
             </a:r>
             <a:r>
               <a:rPr lang="zh-CN" altLang="en-US" dirty="0" smtClean="0"/>
-              <a:t>目录是处于你的机器上的一个克隆版的版本库，它拥有中心版本库上所有的东西，例如标签、分支、版本记录等</a:t>
-            </a:r>
-            <a:r>
-              <a:rPr lang="zh-CN" altLang="en-US" dirty="0" smtClean="0"/>
-              <a:t>。</a:t>
+              <a:t>目录是处于你的机器上的一个克隆版的版本库，它拥有中心版本库上所有的东西，例如标签、分支、版本记录等。</a:t>
             </a:r>
             <a:endParaRPr lang="en-US" altLang="zh-CN" dirty="0" smtClean="0"/>
           </a:p>
@@ -6222,11 +6191,7 @@
             </a:r>
             <a:r>
               <a:rPr lang="zh-CN" altLang="en-US" dirty="0" smtClean="0"/>
-              <a:t>哈希算法。这能确保代码内容的完整性，确保在遇到磁盘故障和网络问题时降低对版本库的破坏</a:t>
-            </a:r>
-            <a:r>
-              <a:rPr lang="zh-CN" altLang="en-US" dirty="0" smtClean="0"/>
-              <a:t>。</a:t>
+              <a:t>哈希算法。这能确保代码内容的完整性，确保在遇到磁盘故障和网络问题时降低对版本库的破坏。</a:t>
             </a:r>
             <a:endParaRPr lang="en-US" altLang="zh-CN" dirty="0" smtClean="0"/>
           </a:p>
@@ -6242,11 +6207,7 @@
             </a:r>
             <a:r>
               <a:rPr lang="en-US" dirty="0" smtClean="0"/>
-              <a:t>Berkeley </a:t>
-            </a:r>
-            <a:r>
-              <a:rPr lang="en-US" dirty="0" smtClean="0"/>
-              <a:t>DB</a:t>
+              <a:t>Berkeley DB</a:t>
             </a:r>
             <a:r>
               <a:rPr lang="zh-CN" altLang="en-US" dirty="0" smtClean="0"/>
@@ -6382,19 +6343,7 @@
             </a:r>
             <a:r>
               <a:rPr lang="zh-CN" altLang="en-US" dirty="0" smtClean="0"/>
-              <a:t>集成，并且作为商业产品，有专门的团队提供技术支持和维护，所以大公司使用起来的比较放心一点。然而，正是由于有其庞大的一套架构体系和业务逻辑，所以往往需要专门的人员的进行管理和配置，这对于讲求速度的项目，对于经费和人手有限的团队而言</a:t>
-            </a:r>
-            <a:r>
-              <a:rPr lang="zh-CN" altLang="en-US" dirty="0" smtClean="0"/>
-              <a:t>，可能</a:t>
-            </a:r>
-            <a:r>
-              <a:rPr lang="zh-CN" altLang="en-US" dirty="0" smtClean="0"/>
-              <a:t>门槛就高了</a:t>
-            </a:r>
-            <a:r>
-              <a:rPr lang="zh-CN" altLang="en-US" dirty="0" smtClean="0"/>
-              <a:t>。</a:t>
+              <a:t>集成，并且作为商业产品，有专门的团队提供技术支持和维护，所以大公司使用起来的比较放心一点。然而，正是由于有其庞大的一套架构体系和业务逻辑，所以往往需要专门的人员的进行管理和配置，这对于讲求速度的项目，对于经费和人手有限的团队而言，可能门槛就高了。</a:t>
             </a:r>
             <a:endParaRPr lang="en-US" altLang="zh-CN" dirty="0" smtClean="0"/>
           </a:p>
@@ -6409,19 +6358,7 @@
             <a:pPr lvl="1"/>
             <a:r>
               <a:rPr lang="zh-CN" altLang="en-US" dirty="0" smtClean="0"/>
-              <a:t>同样会</a:t>
-            </a:r>
-            <a:r>
-              <a:rPr lang="zh-CN" altLang="en-US" dirty="0" smtClean="0"/>
-              <a:t>建立开发分支（用于个人开发）和集成分支（用于发布</a:t>
-            </a:r>
-            <a:r>
-              <a:rPr lang="zh-CN" altLang="en-US" dirty="0" smtClean="0"/>
-              <a:t>），但是 由于其简单</a:t>
-            </a:r>
-            <a:r>
-              <a:rPr lang="zh-CN" altLang="en-US" dirty="0" smtClean="0"/>
-              <a:t>，高效。好用。不需要单独招管理员均可以运行。可以由项目的集成管理人员来兼职即可。</a:t>
+              <a:t>同样会建立开发分支（用于个人开发）和集成分支（用于发布），但是 由于其简单，高效。好用。不需要单独招管理员均可以运行。可以由项目的集成管理人员来兼职即可。</a:t>
             </a:r>
             <a:r>
               <a:rPr lang="en-US" altLang="zh-CN" dirty="0" smtClean="0"/>
@@ -6461,11 +6398,7 @@
             </a:r>
             <a:r>
               <a:rPr lang="zh-CN" altLang="en-US" dirty="0" smtClean="0"/>
-              <a:t>的使用好坏</a:t>
-            </a:r>
-            <a:r>
-              <a:rPr lang="zh-CN" altLang="en-US" dirty="0" smtClean="0"/>
-              <a:t>。</a:t>
+              <a:t>的使用好坏。</a:t>
             </a:r>
             <a:endParaRPr lang="en-US" altLang="zh-CN" dirty="0" smtClean="0"/>
           </a:p>
@@ -6485,11 +6418,7 @@
             </a:r>
             <a:r>
               <a:rPr lang="zh-CN" altLang="en-US" dirty="0" smtClean="0"/>
-              <a:t>适合开源参与提交的</a:t>
-            </a:r>
-            <a:r>
-              <a:rPr lang="zh-CN" altLang="en-US" dirty="0" smtClean="0"/>
-              <a:t>项目</a:t>
+              <a:t>适合开源参与提交的项目</a:t>
             </a:r>
             <a:endParaRPr lang="en-US" altLang="zh-CN" dirty="0" smtClean="0"/>
           </a:p>

--- a/branch.pptx
+++ b/branch.pptx
@@ -5152,11 +5152,7 @@
             </a:pPr>
             <a:r>
               <a:rPr lang="zh-CN" altLang="en-US" dirty="0" smtClean="0"/>
-              <a:t>我就</a:t>
-            </a:r>
-            <a:r>
-              <a:rPr lang="zh-CN" altLang="en-US" dirty="0" smtClean="0"/>
-              <a:t>试试网页上传</a:t>
+              <a:t>我就试试网页上传</a:t>
             </a:r>
             <a:endParaRPr lang="zh-CN" altLang="en-US" dirty="0"/>
           </a:p>
@@ -5334,7 +5330,7 @@
         <p:spPr/>
         <p:txBody>
           <a:bodyPr>
-            <a:normAutofit/>
+            <a:normAutofit fontScale="85000" lnSpcReduction="10000"/>
           </a:bodyPr>
           <a:lstStyle/>
           <a:p>
@@ -5351,7 +5347,35 @@
             <a:pPr lvl="1"/>
             <a:r>
               <a:rPr lang="zh-CN" altLang="en-US" dirty="0" smtClean="0"/>
-              <a:t>版本库是集中放在中央服务器的，而干活的时候，用的都是自己的电脑，所以首先要从中央服务器哪里得到最新的版本，然后干活，干完后，需要把自己做完的活推送到中央服务器。集中式版本控制系统是必须联网才能工作，如果在局域网还可以，带宽够大，速度够快，如果在互联网下，如果网速慢的话，就纳闷了。</a:t>
+              <a:t>版本库是集中放在中央服务器的，而干活的时候，用的都是自己的电脑，所以首先要从中央服务器哪里得到最新的版本，然后干活，干完后，需要把自己做完的活推送到中央服务器。集中式版本控制系统是必须联网才能工作，如果在局域网还可以，带宽够大，速度够快，如果在互联网下，如果网速慢的话，就纳闷了</a:t>
+            </a:r>
+            <a:r>
+              <a:rPr lang="zh-CN" altLang="en-US" dirty="0" smtClean="0"/>
+              <a:t>。</a:t>
+            </a:r>
+            <a:endParaRPr lang="en-US" altLang="zh-CN" dirty="0" smtClean="0"/>
+          </a:p>
+          <a:p>
+            <a:pPr lvl="1"/>
+            <a:r>
+              <a:rPr lang="zh-CN" altLang="en-US" dirty="0" smtClean="0"/>
+              <a:t>最</a:t>
+            </a:r>
+            <a:r>
+              <a:rPr lang="zh-CN" altLang="en-US" dirty="0" smtClean="0"/>
+              <a:t>坑的事，一旦中央服务器宕机，那么说都无法提交。</a:t>
+            </a:r>
+            <a:r>
+              <a:rPr lang="zh-CN" altLang="en-US" dirty="0" smtClean="0"/>
+              <a:t>如果中心数据库所在的磁盘发生损坏，又没有做恰当备份，毫无疑问你将丢失所有数据</a:t>
+            </a:r>
+            <a:r>
+              <a:rPr lang="en-US" altLang="zh-CN" dirty="0" smtClean="0"/>
+              <a:t>——</a:t>
+            </a:r>
+            <a:r>
+              <a:rPr lang="zh-CN" altLang="en-US" dirty="0" smtClean="0"/>
+              <a:t>包括项目的整个变更历史，只剩下人们在各自机器上保留的单独快照。本地版本控制系统也存在类似问题，只要整个项目的历史记录被保存在单一位置，就有丢失所有历史更新记录的风险。</a:t>
             </a:r>
             <a:endParaRPr lang="en-US" altLang="zh-CN" dirty="0" smtClean="0"/>
           </a:p>
